--- a/src/main/static/connect/assinaturas_manager.pptx
+++ b/src/main/static/connect/assinaturas_manager.pptx
@@ -260,7 +260,7 @@
           <a:p>
             <a:fld id="{05C376AD-AB04-44F1-A0D1-DF9B8A2C46C2}" type="datetimeFigureOut">
               <a:rPr lang="pt-BR" smtClean="0"/>
-              <a:t>20/04/2023</a:t>
+              <a:t>12/06/2023</a:t>
             </a:fld>
             <a:endParaRPr lang="pt-BR"/>
           </a:p>
@@ -458,7 +458,7 @@
           <a:p>
             <a:fld id="{05C376AD-AB04-44F1-A0D1-DF9B8A2C46C2}" type="datetimeFigureOut">
               <a:rPr lang="pt-BR" smtClean="0"/>
-              <a:t>20/04/2023</a:t>
+              <a:t>12/06/2023</a:t>
             </a:fld>
             <a:endParaRPr lang="pt-BR"/>
           </a:p>
@@ -666,7 +666,7 @@
           <a:p>
             <a:fld id="{05C376AD-AB04-44F1-A0D1-DF9B8A2C46C2}" type="datetimeFigureOut">
               <a:rPr lang="pt-BR" smtClean="0"/>
-              <a:t>20/04/2023</a:t>
+              <a:t>12/06/2023</a:t>
             </a:fld>
             <a:endParaRPr lang="pt-BR"/>
           </a:p>
@@ -864,7 +864,7 @@
           <a:p>
             <a:fld id="{05C376AD-AB04-44F1-A0D1-DF9B8A2C46C2}" type="datetimeFigureOut">
               <a:rPr lang="pt-BR" smtClean="0"/>
-              <a:t>20/04/2023</a:t>
+              <a:t>12/06/2023</a:t>
             </a:fld>
             <a:endParaRPr lang="pt-BR"/>
           </a:p>
@@ -1139,7 +1139,7 @@
           <a:p>
             <a:fld id="{05C376AD-AB04-44F1-A0D1-DF9B8A2C46C2}" type="datetimeFigureOut">
               <a:rPr lang="pt-BR" smtClean="0"/>
-              <a:t>20/04/2023</a:t>
+              <a:t>12/06/2023</a:t>
             </a:fld>
             <a:endParaRPr lang="pt-BR"/>
           </a:p>
@@ -1404,7 +1404,7 @@
           <a:p>
             <a:fld id="{05C376AD-AB04-44F1-A0D1-DF9B8A2C46C2}" type="datetimeFigureOut">
               <a:rPr lang="pt-BR" smtClean="0"/>
-              <a:t>20/04/2023</a:t>
+              <a:t>12/06/2023</a:t>
             </a:fld>
             <a:endParaRPr lang="pt-BR"/>
           </a:p>
@@ -1816,7 +1816,7 @@
           <a:p>
             <a:fld id="{05C376AD-AB04-44F1-A0D1-DF9B8A2C46C2}" type="datetimeFigureOut">
               <a:rPr lang="pt-BR" smtClean="0"/>
-              <a:t>20/04/2023</a:t>
+              <a:t>12/06/2023</a:t>
             </a:fld>
             <a:endParaRPr lang="pt-BR"/>
           </a:p>
@@ -1957,7 +1957,7 @@
           <a:p>
             <a:fld id="{05C376AD-AB04-44F1-A0D1-DF9B8A2C46C2}" type="datetimeFigureOut">
               <a:rPr lang="pt-BR" smtClean="0"/>
-              <a:t>20/04/2023</a:t>
+              <a:t>12/06/2023</a:t>
             </a:fld>
             <a:endParaRPr lang="pt-BR"/>
           </a:p>
@@ -2070,7 +2070,7 @@
           <a:p>
             <a:fld id="{05C376AD-AB04-44F1-A0D1-DF9B8A2C46C2}" type="datetimeFigureOut">
               <a:rPr lang="pt-BR" smtClean="0"/>
-              <a:t>20/04/2023</a:t>
+              <a:t>12/06/2023</a:t>
             </a:fld>
             <a:endParaRPr lang="pt-BR"/>
           </a:p>
@@ -2381,7 +2381,7 @@
           <a:p>
             <a:fld id="{05C376AD-AB04-44F1-A0D1-DF9B8A2C46C2}" type="datetimeFigureOut">
               <a:rPr lang="pt-BR" smtClean="0"/>
-              <a:t>20/04/2023</a:t>
+              <a:t>12/06/2023</a:t>
             </a:fld>
             <a:endParaRPr lang="pt-BR"/>
           </a:p>
@@ -2669,7 +2669,7 @@
           <a:p>
             <a:fld id="{05C376AD-AB04-44F1-A0D1-DF9B8A2C46C2}" type="datetimeFigureOut">
               <a:rPr lang="pt-BR" smtClean="0"/>
-              <a:t>20/04/2023</a:t>
+              <a:t>12/06/2023</a:t>
             </a:fld>
             <a:endParaRPr lang="pt-BR"/>
           </a:p>
@@ -2910,7 +2910,7 @@
           <a:p>
             <a:fld id="{05C376AD-AB04-44F1-A0D1-DF9B8A2C46C2}" type="datetimeFigureOut">
               <a:rPr lang="pt-BR" smtClean="0"/>
-              <a:t>20/04/2023</a:t>
+              <a:t>12/06/2023</a:t>
             </a:fld>
             <a:endParaRPr lang="pt-BR"/>
           </a:p>
@@ -3654,7 +3654,7 @@
               <a:p>
                 <a:r>
                   <a:rPr lang="en-US" dirty="0"/>
-                  <a:t>www.grsmanager.com.br</a:t>
+                  <a:t>www.grsconnect.com.br</a:t>
                 </a:r>
                 <a:endParaRPr lang="pt-BR" dirty="0"/>
               </a:p>
